--- a/ppt_edit.pptx
+++ b/ppt_edit.pptx
@@ -11,19 +11,17 @@
     <p:sldId id="259" r:id="rId5"/>
     <p:sldId id="260" r:id="rId6"/>
     <p:sldId id="261" r:id="rId7"/>
-    <p:sldId id="262" r:id="rId8"/>
-    <p:sldId id="263" r:id="rId9"/>
-    <p:sldId id="264" r:id="rId10"/>
-    <p:sldId id="265" r:id="rId11"/>
-    <p:sldId id="266" r:id="rId12"/>
-    <p:sldId id="267" r:id="rId13"/>
-    <p:sldId id="268" r:id="rId14"/>
-    <p:sldId id="269" r:id="rId15"/>
-    <p:sldId id="270" r:id="rId16"/>
-    <p:sldId id="271" r:id="rId17"/>
-    <p:sldId id="272" r:id="rId18"/>
+    <p:sldId id="263" r:id="rId8"/>
+    <p:sldId id="264" r:id="rId9"/>
+    <p:sldId id="265" r:id="rId10"/>
+    <p:sldId id="266" r:id="rId11"/>
+    <p:sldId id="267" r:id="rId12"/>
+    <p:sldId id="268" r:id="rId13"/>
+    <p:sldId id="269" r:id="rId14"/>
+    <p:sldId id="271" r:id="rId15"/>
+    <p:sldId id="272" r:id="rId16"/>
   </p:sldIdLst>
-  <p:sldSz cx="18288000" cy="10287000" type="screen4x3"/>
+  <p:sldSz cx="18288000" cy="10287000"/>
   <p:notesSz cx="10287000" cy="18288000"/>
   <p:defaultTextStyle>
     <a:defPPr>
@@ -122,7 +120,18 @@
   </p:defaultTextStyle>
   <p:extLst>
     <p:ext uri="{EFAFB233-063F-42B5-8137-9DF3F51BA10A}">
-      <p15:sldGuideLst xmlns:p15="http://schemas.microsoft.com/office/powerpoint/2012/main"/>
+      <p15:sldGuideLst xmlns:p15="http://schemas.microsoft.com/office/powerpoint/2012/main">
+        <p15:guide id="1" orient="horz" pos="2160">
+          <p15:clr>
+            <a:srgbClr val="A4A3A4"/>
+          </p15:clr>
+        </p15:guide>
+        <p15:guide id="2" pos="2880">
+          <p15:clr>
+            <a:srgbClr val="A4A3A4"/>
+          </p15:clr>
+        </p15:guide>
+      </p15:sldGuideLst>
     </p:ext>
   </p:extLst>
 </p:presentation>
@@ -166,10 +175,9 @@
           <a:lstStyle/>
           <a:p>
             <a:r>
-              <a:rPr lang="en-US" smtClean="0"/>
+              <a:rPr lang="en-US"/>
               <a:t>Click to edit Master title style</a:t>
             </a:r>
-            <a:endParaRPr lang="en-US"/>
           </a:p>
         </p:txBody>
       </p:sp>
@@ -285,10 +293,9 @@
           </a:lstStyle>
           <a:p>
             <a:r>
-              <a:rPr lang="en-US" smtClean="0"/>
+              <a:rPr lang="en-US"/>
               <a:t>Click to edit Master subtitle style</a:t>
             </a:r>
-            <a:endParaRPr lang="en-US"/>
           </a:p>
         </p:txBody>
       </p:sp>
@@ -398,10 +405,9 @@
           <a:lstStyle/>
           <a:p>
             <a:r>
-              <a:rPr lang="en-US" smtClean="0"/>
+              <a:rPr lang="en-US"/>
               <a:t>Click to edit Master title style</a:t>
             </a:r>
-            <a:endParaRPr lang="en-US"/>
           </a:p>
         </p:txBody>
       </p:sp>
@@ -422,38 +428,37 @@
           <a:p>
             <a:pPr lvl="0"/>
             <a:r>
-              <a:rPr lang="en-US" smtClean="0"/>
+              <a:rPr lang="en-US"/>
               <a:t>Click to edit Master text styles</a:t>
             </a:r>
           </a:p>
           <a:p>
             <a:pPr lvl="1"/>
             <a:r>
-              <a:rPr lang="en-US" smtClean="0"/>
+              <a:rPr lang="en-US"/>
               <a:t>Second level</a:t>
             </a:r>
           </a:p>
           <a:p>
             <a:pPr lvl="2"/>
             <a:r>
-              <a:rPr lang="en-US" smtClean="0"/>
+              <a:rPr lang="en-US"/>
               <a:t>Third level</a:t>
             </a:r>
           </a:p>
           <a:p>
             <a:pPr lvl="3"/>
             <a:r>
-              <a:rPr lang="en-US" smtClean="0"/>
+              <a:rPr lang="en-US"/>
               <a:t>Fourth level</a:t>
             </a:r>
           </a:p>
           <a:p>
             <a:pPr lvl="4"/>
             <a:r>
-              <a:rPr lang="en-US" smtClean="0"/>
+              <a:rPr lang="en-US"/>
               <a:t>Fifth level</a:t>
             </a:r>
-            <a:endParaRPr lang="en-US"/>
           </a:p>
         </p:txBody>
       </p:sp>
@@ -474,7 +479,7 @@
           <a:p>
             <a:fld id="{A76116CE-C4A3-4A05-B2D7-7C2E9A889C0F}" type="datetimeFigureOut">
               <a:rPr lang="en-US" smtClean="0"/>
-              <a:t>1/30/2017</a:t>
+              <a:t>11/25/2021</a:t>
             </a:fld>
             <a:endParaRPr lang="en-US"/>
           </a:p>
@@ -568,10 +573,9 @@
           <a:lstStyle/>
           <a:p>
             <a:r>
-              <a:rPr lang="en-US" smtClean="0"/>
+              <a:rPr lang="en-US"/>
               <a:t>Click to edit Master title style</a:t>
             </a:r>
-            <a:endParaRPr lang="en-US"/>
           </a:p>
         </p:txBody>
       </p:sp>
@@ -597,38 +601,37 @@
           <a:p>
             <a:pPr lvl="0"/>
             <a:r>
-              <a:rPr lang="en-US" smtClean="0"/>
+              <a:rPr lang="en-US"/>
               <a:t>Click to edit Master text styles</a:t>
             </a:r>
           </a:p>
           <a:p>
             <a:pPr lvl="1"/>
             <a:r>
-              <a:rPr lang="en-US" smtClean="0"/>
+              <a:rPr lang="en-US"/>
               <a:t>Second level</a:t>
             </a:r>
           </a:p>
           <a:p>
             <a:pPr lvl="2"/>
             <a:r>
-              <a:rPr lang="en-US" smtClean="0"/>
+              <a:rPr lang="en-US"/>
               <a:t>Third level</a:t>
             </a:r>
           </a:p>
           <a:p>
             <a:pPr lvl="3"/>
             <a:r>
-              <a:rPr lang="en-US" smtClean="0"/>
+              <a:rPr lang="en-US"/>
               <a:t>Fourth level</a:t>
             </a:r>
           </a:p>
           <a:p>
             <a:pPr lvl="4"/>
             <a:r>
-              <a:rPr lang="en-US" smtClean="0"/>
+              <a:rPr lang="en-US"/>
               <a:t>Fifth level</a:t>
             </a:r>
-            <a:endParaRPr lang="en-US"/>
           </a:p>
         </p:txBody>
       </p:sp>
@@ -649,7 +652,7 @@
           <a:p>
             <a:fld id="{A76116CE-C4A3-4A05-B2D7-7C2E9A889C0F}" type="datetimeFigureOut">
               <a:rPr lang="en-US" smtClean="0"/>
-              <a:t>1/30/2017</a:t>
+              <a:t>11/25/2021</a:t>
             </a:fld>
             <a:endParaRPr lang="en-US"/>
           </a:p>
@@ -738,10 +741,9 @@
           <a:lstStyle/>
           <a:p>
             <a:r>
-              <a:rPr lang="en-US" smtClean="0"/>
+              <a:rPr lang="en-US"/>
               <a:t>Click to edit Master title style</a:t>
             </a:r>
-            <a:endParaRPr lang="en-US"/>
           </a:p>
         </p:txBody>
       </p:sp>
@@ -764,38 +766,37 @@
               <a:buChar char="•"/>
             </a:pPr>
             <a:r>
-              <a:rPr lang="en-US" smtClean="0"/>
+              <a:rPr lang="en-US"/>
               <a:t>Click to edit Master text styles</a:t>
             </a:r>
           </a:p>
           <a:p>
             <a:pPr lvl="1"/>
             <a:r>
-              <a:rPr lang="en-US" smtClean="0"/>
+              <a:rPr lang="en-US"/>
               <a:t>Second level</a:t>
             </a:r>
           </a:p>
           <a:p>
             <a:pPr lvl="2"/>
             <a:r>
-              <a:rPr lang="en-US" smtClean="0"/>
+              <a:rPr lang="en-US"/>
               <a:t>Third level</a:t>
             </a:r>
           </a:p>
           <a:p>
             <a:pPr lvl="3"/>
             <a:r>
-              <a:rPr lang="en-US" smtClean="0"/>
+              <a:rPr lang="en-US"/>
               <a:t>Fourth level</a:t>
             </a:r>
           </a:p>
           <a:p>
             <a:pPr lvl="4"/>
             <a:r>
-              <a:rPr lang="en-US" smtClean="0"/>
+              <a:rPr lang="en-US"/>
               <a:t>Fifth level</a:t>
             </a:r>
-            <a:endParaRPr lang="en-US"/>
           </a:p>
         </p:txBody>
       </p:sp>
@@ -914,10 +915,9 @@
           </a:lstStyle>
           <a:p>
             <a:r>
-              <a:rPr lang="en-US" smtClean="0"/>
+              <a:rPr lang="en-US"/>
               <a:t>Click to edit Master title style</a:t>
             </a:r>
-            <a:endParaRPr lang="en-US"/>
           </a:p>
         </p:txBody>
       </p:sp>
@@ -1034,7 +1034,7 @@
           <a:p>
             <a:pPr lvl="0"/>
             <a:r>
-              <a:rPr lang="en-US" smtClean="0"/>
+              <a:rPr lang="en-US"/>
               <a:t>Click to edit Master text styles</a:t>
             </a:r>
           </a:p>
@@ -1146,10 +1146,9 @@
           <a:lstStyle/>
           <a:p>
             <a:r>
-              <a:rPr lang="en-US" smtClean="0"/>
+              <a:rPr lang="en-US"/>
               <a:t>Click to edit Master title style</a:t>
             </a:r>
-            <a:endParaRPr lang="en-US"/>
           </a:p>
         </p:txBody>
       </p:sp>
@@ -1203,38 +1202,37 @@
           <a:p>
             <a:pPr lvl="0"/>
             <a:r>
-              <a:rPr lang="en-US" smtClean="0"/>
+              <a:rPr lang="en-US"/>
               <a:t>Click to edit Master text styles</a:t>
             </a:r>
           </a:p>
           <a:p>
             <a:pPr lvl="1"/>
             <a:r>
-              <a:rPr lang="en-US" smtClean="0"/>
+              <a:rPr lang="en-US"/>
               <a:t>Second level</a:t>
             </a:r>
           </a:p>
           <a:p>
             <a:pPr lvl="2"/>
             <a:r>
-              <a:rPr lang="en-US" smtClean="0"/>
+              <a:rPr lang="en-US"/>
               <a:t>Third level</a:t>
             </a:r>
           </a:p>
           <a:p>
             <a:pPr lvl="3"/>
             <a:r>
-              <a:rPr lang="en-US" smtClean="0"/>
+              <a:rPr lang="en-US"/>
               <a:t>Fourth level</a:t>
             </a:r>
           </a:p>
           <a:p>
             <a:pPr lvl="4"/>
             <a:r>
-              <a:rPr lang="en-US" smtClean="0"/>
+              <a:rPr lang="en-US"/>
               <a:t>Fifth level</a:t>
             </a:r>
-            <a:endParaRPr lang="en-US"/>
           </a:p>
         </p:txBody>
       </p:sp>
@@ -1288,38 +1286,37 @@
           <a:p>
             <a:pPr lvl="0"/>
             <a:r>
-              <a:rPr lang="en-US" smtClean="0"/>
+              <a:rPr lang="en-US"/>
               <a:t>Click to edit Master text styles</a:t>
             </a:r>
           </a:p>
           <a:p>
             <a:pPr lvl="1"/>
             <a:r>
-              <a:rPr lang="en-US" smtClean="0"/>
+              <a:rPr lang="en-US"/>
               <a:t>Second level</a:t>
             </a:r>
           </a:p>
           <a:p>
             <a:pPr lvl="2"/>
             <a:r>
-              <a:rPr lang="en-US" smtClean="0"/>
+              <a:rPr lang="en-US"/>
               <a:t>Third level</a:t>
             </a:r>
           </a:p>
           <a:p>
             <a:pPr lvl="3"/>
             <a:r>
-              <a:rPr lang="en-US" smtClean="0"/>
+              <a:rPr lang="en-US"/>
               <a:t>Fourth level</a:t>
             </a:r>
           </a:p>
           <a:p>
             <a:pPr lvl="4"/>
             <a:r>
-              <a:rPr lang="en-US" smtClean="0"/>
+              <a:rPr lang="en-US"/>
               <a:t>Fifth level</a:t>
             </a:r>
-            <a:endParaRPr lang="en-US"/>
           </a:p>
         </p:txBody>
       </p:sp>
@@ -1340,7 +1337,7 @@
           <a:p>
             <a:fld id="{A76116CE-C4A3-4A05-B2D7-7C2E9A889C0F}" type="datetimeFigureOut">
               <a:rPr lang="en-US" smtClean="0"/>
-              <a:t>1/30/2017</a:t>
+              <a:t>11/25/2021</a:t>
             </a:fld>
             <a:endParaRPr lang="en-US"/>
           </a:p>
@@ -1433,10 +1430,9 @@
           </a:lstStyle>
           <a:p>
             <a:r>
-              <a:rPr lang="en-US" smtClean="0"/>
+              <a:rPr lang="en-US"/>
               <a:t>Click to edit Master title style</a:t>
             </a:r>
-            <a:endParaRPr lang="en-US"/>
           </a:p>
         </p:txBody>
       </p:sp>
@@ -1499,7 +1495,7 @@
           <a:p>
             <a:pPr lvl="0"/>
             <a:r>
-              <a:rPr lang="en-US" smtClean="0"/>
+              <a:rPr lang="en-US"/>
               <a:t>Click to edit Master text styles</a:t>
             </a:r>
           </a:p>
@@ -1555,38 +1551,37 @@
           <a:p>
             <a:pPr lvl="0"/>
             <a:r>
-              <a:rPr lang="en-US" smtClean="0"/>
+              <a:rPr lang="en-US"/>
               <a:t>Click to edit Master text styles</a:t>
             </a:r>
           </a:p>
           <a:p>
             <a:pPr lvl="1"/>
             <a:r>
-              <a:rPr lang="en-US" smtClean="0"/>
+              <a:rPr lang="en-US"/>
               <a:t>Second level</a:t>
             </a:r>
           </a:p>
           <a:p>
             <a:pPr lvl="2"/>
             <a:r>
-              <a:rPr lang="en-US" smtClean="0"/>
+              <a:rPr lang="en-US"/>
               <a:t>Third level</a:t>
             </a:r>
           </a:p>
           <a:p>
             <a:pPr lvl="3"/>
             <a:r>
-              <a:rPr lang="en-US" smtClean="0"/>
+              <a:rPr lang="en-US"/>
               <a:t>Fourth level</a:t>
             </a:r>
           </a:p>
           <a:p>
             <a:pPr lvl="4"/>
             <a:r>
-              <a:rPr lang="en-US" smtClean="0"/>
+              <a:rPr lang="en-US"/>
               <a:t>Fifth level</a:t>
             </a:r>
-            <a:endParaRPr lang="en-US"/>
           </a:p>
         </p:txBody>
       </p:sp>
@@ -1649,7 +1644,7 @@
           <a:p>
             <a:pPr lvl="0"/>
             <a:r>
-              <a:rPr lang="en-US" smtClean="0"/>
+              <a:rPr lang="en-US"/>
               <a:t>Click to edit Master text styles</a:t>
             </a:r>
           </a:p>
@@ -1705,38 +1700,37 @@
           <a:p>
             <a:pPr lvl="0"/>
             <a:r>
-              <a:rPr lang="en-US" smtClean="0"/>
+              <a:rPr lang="en-US"/>
               <a:t>Click to edit Master text styles</a:t>
             </a:r>
           </a:p>
           <a:p>
             <a:pPr lvl="1"/>
             <a:r>
-              <a:rPr lang="en-US" smtClean="0"/>
+              <a:rPr lang="en-US"/>
               <a:t>Second level</a:t>
             </a:r>
           </a:p>
           <a:p>
             <a:pPr lvl="2"/>
             <a:r>
-              <a:rPr lang="en-US" smtClean="0"/>
+              <a:rPr lang="en-US"/>
               <a:t>Third level</a:t>
             </a:r>
           </a:p>
           <a:p>
             <a:pPr lvl="3"/>
             <a:r>
-              <a:rPr lang="en-US" smtClean="0"/>
+              <a:rPr lang="en-US"/>
               <a:t>Fourth level</a:t>
             </a:r>
           </a:p>
           <a:p>
             <a:pPr lvl="4"/>
             <a:r>
-              <a:rPr lang="en-US" smtClean="0"/>
+              <a:rPr lang="en-US"/>
               <a:t>Fifth level</a:t>
             </a:r>
-            <a:endParaRPr lang="en-US"/>
           </a:p>
         </p:txBody>
       </p:sp>
@@ -1757,7 +1751,7 @@
           <a:p>
             <a:fld id="{A76116CE-C4A3-4A05-B2D7-7C2E9A889C0F}" type="datetimeFigureOut">
               <a:rPr lang="en-US" smtClean="0"/>
-              <a:t>1/30/2017</a:t>
+              <a:t>11/25/2021</a:t>
             </a:fld>
             <a:endParaRPr lang="en-US"/>
           </a:p>
@@ -1846,10 +1840,9 @@
           <a:lstStyle/>
           <a:p>
             <a:r>
-              <a:rPr lang="en-US" smtClean="0"/>
+              <a:rPr lang="en-US"/>
               <a:t>Click to edit Master title style</a:t>
             </a:r>
-            <a:endParaRPr lang="en-US"/>
           </a:p>
         </p:txBody>
       </p:sp>
@@ -1870,7 +1863,7 @@
           <a:p>
             <a:fld id="{A76116CE-C4A3-4A05-B2D7-7C2E9A889C0F}" type="datetimeFigureOut">
               <a:rPr lang="en-US" smtClean="0"/>
-              <a:t>1/30/2017</a:t>
+              <a:t>11/25/2021</a:t>
             </a:fld>
             <a:endParaRPr lang="en-US"/>
           </a:p>
@@ -1960,7 +1953,7 @@
           <a:p>
             <a:fld id="{A76116CE-C4A3-4A05-B2D7-7C2E9A889C0F}" type="datetimeFigureOut">
               <a:rPr lang="en-US" smtClean="0"/>
-              <a:t>1/30/2017</a:t>
+              <a:t>11/25/2021</a:t>
             </a:fld>
             <a:endParaRPr lang="en-US"/>
           </a:p>
@@ -2058,10 +2051,9 @@
           </a:lstStyle>
           <a:p>
             <a:r>
-              <a:rPr lang="en-US" smtClean="0"/>
+              <a:rPr lang="en-US"/>
               <a:t>Click to edit Master title style</a:t>
             </a:r>
-            <a:endParaRPr lang="en-US"/>
           </a:p>
         </p:txBody>
       </p:sp>
@@ -2115,38 +2107,37 @@
           <a:p>
             <a:pPr lvl="0"/>
             <a:r>
-              <a:rPr lang="en-US" smtClean="0"/>
+              <a:rPr lang="en-US"/>
               <a:t>Click to edit Master text styles</a:t>
             </a:r>
           </a:p>
           <a:p>
             <a:pPr lvl="1"/>
             <a:r>
-              <a:rPr lang="en-US" smtClean="0"/>
+              <a:rPr lang="en-US"/>
               <a:t>Second level</a:t>
             </a:r>
           </a:p>
           <a:p>
             <a:pPr lvl="2"/>
             <a:r>
-              <a:rPr lang="en-US" smtClean="0"/>
+              <a:rPr lang="en-US"/>
               <a:t>Third level</a:t>
             </a:r>
           </a:p>
           <a:p>
             <a:pPr lvl="3"/>
             <a:r>
-              <a:rPr lang="en-US" smtClean="0"/>
+              <a:rPr lang="en-US"/>
               <a:t>Fourth level</a:t>
             </a:r>
           </a:p>
           <a:p>
             <a:pPr lvl="4"/>
             <a:r>
-              <a:rPr lang="en-US" smtClean="0"/>
+              <a:rPr lang="en-US"/>
               <a:t>Fifth level</a:t>
             </a:r>
-            <a:endParaRPr lang="en-US"/>
           </a:p>
         </p:txBody>
       </p:sp>
@@ -2209,7 +2200,7 @@
           <a:p>
             <a:pPr lvl="0"/>
             <a:r>
-              <a:rPr lang="en-US" smtClean="0"/>
+              <a:rPr lang="en-US"/>
               <a:t>Click to edit Master text styles</a:t>
             </a:r>
           </a:p>
@@ -2232,7 +2223,7 @@
           <a:p>
             <a:fld id="{A76116CE-C4A3-4A05-B2D7-7C2E9A889C0F}" type="datetimeFigureOut">
               <a:rPr lang="en-US" smtClean="0"/>
-              <a:t>1/30/2017</a:t>
+              <a:t>11/25/2021</a:t>
             </a:fld>
             <a:endParaRPr lang="en-US"/>
           </a:p>
@@ -2330,10 +2321,9 @@
           </a:lstStyle>
           <a:p>
             <a:r>
-              <a:rPr lang="en-US" smtClean="0"/>
+              <a:rPr lang="en-US"/>
               <a:t>Click to edit Master title style</a:t>
             </a:r>
-            <a:endParaRPr lang="en-US"/>
           </a:p>
         </p:txBody>
       </p:sp>
@@ -2457,7 +2447,7 @@
           <a:p>
             <a:pPr lvl="0"/>
             <a:r>
-              <a:rPr lang="en-US" smtClean="0"/>
+              <a:rPr lang="en-US"/>
               <a:t>Click to edit Master text styles</a:t>
             </a:r>
           </a:p>
@@ -2480,7 +2470,7 @@
           <a:p>
             <a:fld id="{A76116CE-C4A3-4A05-B2D7-7C2E9A889C0F}" type="datetimeFigureOut">
               <a:rPr lang="en-US" smtClean="0"/>
-              <a:t>1/30/2017</a:t>
+              <a:t>11/25/2021</a:t>
             </a:fld>
             <a:endParaRPr lang="en-US"/>
           </a:p>
@@ -2584,10 +2574,9 @@
           <a:lstStyle/>
           <a:p>
             <a:r>
-              <a:rPr lang="en-US" smtClean="0"/>
+              <a:rPr lang="en-US"/>
               <a:t>Click to edit Master title style</a:t>
             </a:r>
-            <a:endParaRPr lang="en-US"/>
           </a:p>
         </p:txBody>
       </p:sp>
@@ -2618,38 +2607,37 @@
           <a:p>
             <a:pPr lvl="0"/>
             <a:r>
-              <a:rPr lang="en-US" smtClean="0"/>
+              <a:rPr lang="en-US"/>
               <a:t>Click to edit Master text styles</a:t>
             </a:r>
           </a:p>
           <a:p>
             <a:pPr lvl="1"/>
             <a:r>
-              <a:rPr lang="en-US" smtClean="0"/>
+              <a:rPr lang="en-US"/>
               <a:t>Second level</a:t>
             </a:r>
           </a:p>
           <a:p>
             <a:pPr lvl="2"/>
             <a:r>
-              <a:rPr lang="en-US" smtClean="0"/>
+              <a:rPr lang="en-US"/>
               <a:t>Third level</a:t>
             </a:r>
           </a:p>
           <a:p>
             <a:pPr lvl="3"/>
             <a:r>
-              <a:rPr lang="en-US" smtClean="0"/>
+              <a:rPr lang="en-US"/>
               <a:t>Fourth level</a:t>
             </a:r>
           </a:p>
           <a:p>
             <a:pPr lvl="4"/>
             <a:r>
-              <a:rPr lang="en-US" smtClean="0"/>
+              <a:rPr lang="en-US"/>
               <a:t>Fifth level</a:t>
             </a:r>
-            <a:endParaRPr lang="en-US"/>
           </a:p>
         </p:txBody>
       </p:sp>
@@ -2688,7 +2676,7 @@
           <a:p>
             <a:fld id="{F8166F1F-CE9B-4651-A6AA-CD717754106B}" type="datetimeFigureOut">
               <a:rPr lang="en-US" smtClean="0"/>
-              <a:t>6/13/2013</a:t>
+              <a:t>11/25/2021</a:t>
             </a:fld>
             <a:endParaRPr lang="en-US"/>
           </a:p>
@@ -2766,7 +2754,7 @@
           <a:p>
             <a:fld id="{F7021451-1387-4CA6-816F-3879F97B5CBC}" type="slidenum">
               <a:rPr lang="en-US" smtClean="0"/>
-              <a:t>�#�</a:t>
+              <a:t>‹#›</a:t>
             </a:fld>
             <a:endParaRPr lang="en-US"/>
           </a:p>
@@ -2777,16 +2765,16 @@
   <p:clrMap bg1="lt1" tx1="dk1" bg2="lt2" tx2="dk2" accent1="accent1" accent2="accent2" accent3="accent3" accent4="accent4" accent5="accent5" accent6="accent6" hlink="hlink" folHlink="folHlink"/>
   <p:sldLayoutIdLst>
     <p:sldLayoutId id="2147483649" r:id="rId1"/>
-    <p:sldLayoutId id="2147483650" r:id="rId3"/>
-    <p:sldLayoutId id="2147483651" r:id="rId4"/>
-    <p:sldLayoutId id="2147483652" r:id="rId5"/>
-    <p:sldLayoutId id="2147483653" r:id="rId6"/>
-    <p:sldLayoutId id="2147483654" r:id="rId7"/>
-    <p:sldLayoutId id="2147483655" r:id="rId8"/>
-    <p:sldLayoutId id="2147483656" r:id="rId9"/>
-    <p:sldLayoutId id="2147483657" r:id="rId10"/>
-    <p:sldLayoutId id="2147483658" r:id="rId11"/>
-    <p:sldLayoutId id="2147483659" r:id="rId12"/>
+    <p:sldLayoutId id="2147483650" r:id="rId2"/>
+    <p:sldLayoutId id="2147483651" r:id="rId3"/>
+    <p:sldLayoutId id="2147483652" r:id="rId4"/>
+    <p:sldLayoutId id="2147483653" r:id="rId5"/>
+    <p:sldLayoutId id="2147483654" r:id="rId6"/>
+    <p:sldLayoutId id="2147483655" r:id="rId7"/>
+    <p:sldLayoutId id="2147483656" r:id="rId8"/>
+    <p:sldLayoutId id="2147483657" r:id="rId9"/>
+    <p:sldLayoutId id="2147483658" r:id="rId10"/>
+    <p:sldLayoutId id="2147483659" r:id="rId11"/>
   </p:sldLayoutIdLst>
   <p:txStyles>
     <p:titleStyle>
@@ -3250,345 +3238,6 @@
 
 <file path=ppt/slides/slide10.xml><?xml version="1.0" encoding="utf-8"?>
 <p:sld xmlns:a="http://schemas.openxmlformats.org/drawingml/2006/main" xmlns:r="http://schemas.openxmlformats.org/officeDocument/2006/relationships" xmlns:p="http://schemas.openxmlformats.org/presentationml/2006/main">
-  <p:cSld name="Slide 10">
-    <p:bg>
-      <p:bgPr>
-        <a:solidFill>
-          <a:srgbClr val="E7EEFF"/>
-        </a:solidFill>
-        <a:effectLst/>
-      </p:bgPr>
-    </p:bg>
-    <p:spTree>
-      <p:nvGrpSpPr>
-        <p:cNvPr id="1" name=""/>
-        <p:cNvGrpSpPr/>
-        <p:nvPr/>
-      </p:nvGrpSpPr>
-      <p:grpSpPr>
-        <a:xfrm>
-          <a:off x="0" y="0"/>
-          <a:ext cx="0" cy="0"/>
-          <a:chOff x="0" y="0"/>
-          <a:chExt cx="0" cy="0"/>
-        </a:xfrm>
-      </p:grpSpPr>
-      <p:grpSp>
-        <p:nvGrpSpPr>
-          <p:cNvPr id="1001" name="그룹 1001"/>
-          <p:cNvGrpSpPr/>
-          <p:nvPr/>
-        </p:nvGrpSpPr>
-        <p:grpSpPr>
-          <a:xfrm>
-            <a:off x="0" y="0"/>
-            <a:ext cx="4342857" cy="10285714"/>
-            <a:chOff x="0" y="0"/>
-            <a:chExt cx="4342857" cy="10285714"/>
-          </a:xfrm>
-        </p:grpSpPr>
-        <p:pic>
-          <p:nvPicPr>
-            <p:cNvPr id="3" name="Object 2"/>
-            <p:cNvPicPr>
-              <a:picLocks noChangeAspect="1"/>
-            </p:cNvPicPr>
-            <p:nvPr/>
-          </p:nvPicPr>
-          <p:blipFill>
-            <a:blip r:embed="rId2" cstate="print"/>
-            <a:stretch>
-              <a:fillRect/>
-            </a:stretch>
-          </p:blipFill>
-          <p:spPr>
-            <a:xfrm>
-              <a:off x="0" y="0"/>
-              <a:ext cx="4342857" cy="10285714"/>
-            </a:xfrm>
-            <a:prstGeom prst="rect">
-              <a:avLst/>
-            </a:prstGeom>
-          </p:spPr>
-        </p:pic>
-      </p:grpSp>
-      <p:grpSp>
-        <p:nvGrpSpPr>
-          <p:cNvPr id="1002" name="그룹 1002"/>
-          <p:cNvGrpSpPr/>
-          <p:nvPr/>
-        </p:nvGrpSpPr>
-        <p:grpSpPr>
-          <a:xfrm>
-            <a:off x="9961107" y="6040728"/>
-            <a:ext cx="6466497" cy="91097"/>
-            <a:chOff x="9961107" y="6040728"/>
-            <a:chExt cx="6466497" cy="91097"/>
-          </a:xfrm>
-        </p:grpSpPr>
-        <p:pic>
-          <p:nvPicPr>
-            <p:cNvPr id="6" name="Object 5"/>
-            <p:cNvPicPr>
-              <a:picLocks noChangeAspect="1"/>
-            </p:cNvPicPr>
-            <p:nvPr/>
-          </p:nvPicPr>
-          <p:blipFill>
-            <a:blip r:embed="rId3" cstate="print"/>
-            <a:stretch>
-              <a:fillRect/>
-            </a:stretch>
-          </p:blipFill>
-          <p:spPr>
-            <a:xfrm rot="-16200000">
-              <a:off x="9961107" y="6040728"/>
-              <a:ext cx="6466497" cy="91097"/>
-            </a:xfrm>
-            <a:prstGeom prst="rect">
-              <a:avLst/>
-            </a:prstGeom>
-          </p:spPr>
-        </p:pic>
-      </p:grpSp>
-      <p:pic>
-        <p:nvPicPr>
-          <p:cNvPr id="8" name="Object 7"/>
-          <p:cNvPicPr>
-            <a:picLocks noChangeAspect="1"/>
-          </p:cNvPicPr>
-          <p:nvPr/>
-        </p:nvPicPr>
-        <p:blipFill>
-          <a:blip r:embed="rId4" cstate="print"/>
-          <a:stretch>
-            <a:fillRect/>
-          </a:stretch>
-        </p:blipFill>
-        <p:spPr>
-          <a:xfrm>
-            <a:off x="982858" y="987003"/>
-            <a:ext cx="1005992" cy="614134"/>
-          </a:xfrm>
-          <a:prstGeom prst="rect">
-            <a:avLst/>
-          </a:prstGeom>
-        </p:spPr>
-      </p:pic>
-      <p:pic>
-        <p:nvPicPr>
-          <p:cNvPr id="9" name="Object 8"/>
-          <p:cNvPicPr>
-            <a:picLocks noChangeAspect="1"/>
-          </p:cNvPicPr>
-          <p:nvPr/>
-        </p:nvPicPr>
-        <p:blipFill>
-          <a:blip r:embed="rId5" cstate="print"/>
-          <a:stretch>
-            <a:fillRect/>
-          </a:stretch>
-        </p:blipFill>
-        <p:spPr>
-          <a:xfrm>
-            <a:off x="480013" y="880071"/>
-            <a:ext cx="6278551" cy="3047544"/>
-          </a:xfrm>
-          <a:prstGeom prst="rect">
-            <a:avLst/>
-          </a:prstGeom>
-        </p:spPr>
-      </p:pic>
-      <p:grpSp>
-        <p:nvGrpSpPr>
-          <p:cNvPr id="1003" name="그룹 1003"/>
-          <p:cNvGrpSpPr/>
-          <p:nvPr/>
-        </p:nvGrpSpPr>
-        <p:grpSpPr>
-          <a:xfrm>
-            <a:off x="14265904" y="9226861"/>
-            <a:ext cx="3772706" cy="815061"/>
-            <a:chOff x="14265904" y="9226861"/>
-            <a:chExt cx="3772706" cy="815061"/>
-          </a:xfrm>
-        </p:grpSpPr>
-        <p:pic>
-          <p:nvPicPr>
-            <p:cNvPr id="11" name="Object 10"/>
-            <p:cNvPicPr>
-              <a:picLocks noChangeAspect="1"/>
-            </p:cNvPicPr>
-            <p:nvPr/>
-          </p:nvPicPr>
-          <p:blipFill>
-            <a:blip r:embed="rId6" cstate="print"/>
-            <a:stretch>
-              <a:fillRect/>
-            </a:stretch>
-          </p:blipFill>
-          <p:spPr>
-            <a:xfrm>
-              <a:off x="14898997" y="9366414"/>
-              <a:ext cx="3244350" cy="462950"/>
-            </a:xfrm>
-            <a:prstGeom prst="rect">
-              <a:avLst/>
-            </a:prstGeom>
-          </p:spPr>
-        </p:pic>
-        <p:grpSp>
-          <p:nvGrpSpPr>
-            <p:cNvPr id="1004" name="그룹 1004"/>
-            <p:cNvGrpSpPr/>
-            <p:nvPr/>
-          </p:nvGrpSpPr>
-          <p:grpSpPr>
-            <a:xfrm>
-              <a:off x="14265904" y="9226861"/>
-              <a:ext cx="683726" cy="683726"/>
-              <a:chOff x="14265904" y="9226861"/>
-              <a:chExt cx="683726" cy="683726"/>
-            </a:xfrm>
-          </p:grpSpPr>
-          <p:pic>
-            <p:nvPicPr>
-              <p:cNvPr id="13" name="Object 12"/>
-              <p:cNvPicPr>
-                <a:picLocks noChangeAspect="1"/>
-              </p:cNvPicPr>
-              <p:nvPr/>
-            </p:nvPicPr>
-            <p:blipFill>
-              <a:blip r:embed="rId7" cstate="print"/>
-              <a:stretch>
-                <a:fillRect/>
-              </a:stretch>
-            </p:blipFill>
-            <p:spPr>
-              <a:xfrm>
-                <a:off x="14265904" y="9226861"/>
-                <a:ext cx="683726" cy="683726"/>
-              </a:xfrm>
-              <a:prstGeom prst="rect">
-                <a:avLst/>
-              </a:prstGeom>
-            </p:spPr>
-          </p:pic>
-        </p:grpSp>
-        <p:pic>
-          <p:nvPicPr>
-            <p:cNvPr id="15" name="Object 14"/>
-            <p:cNvPicPr>
-              <a:picLocks noChangeAspect="1"/>
-            </p:cNvPicPr>
-            <p:nvPr/>
-          </p:nvPicPr>
-          <p:blipFill>
-            <a:blip r:embed="rId8" cstate="print"/>
-            <a:stretch>
-              <a:fillRect/>
-            </a:stretch>
-          </p:blipFill>
-          <p:spPr>
-            <a:xfrm>
-              <a:off x="14934434" y="9773918"/>
-              <a:ext cx="3181983" cy="345811"/>
-            </a:xfrm>
-            <a:prstGeom prst="rect">
-              <a:avLst/>
-            </a:prstGeom>
-          </p:spPr>
-        </p:pic>
-      </p:grpSp>
-      <p:grpSp>
-        <p:nvGrpSpPr>
-          <p:cNvPr id="1005" name="그룹 1005"/>
-          <p:cNvGrpSpPr/>
-          <p:nvPr/>
-        </p:nvGrpSpPr>
-        <p:grpSpPr>
-          <a:xfrm>
-            <a:off x="1482178" y="2605923"/>
-            <a:ext cx="3196332" cy="6466497"/>
-            <a:chOff x="1482178" y="2605923"/>
-            <a:chExt cx="3196332" cy="6466497"/>
-          </a:xfrm>
-        </p:grpSpPr>
-        <p:pic>
-          <p:nvPicPr>
-            <p:cNvPr id="18" name="Object 17"/>
-            <p:cNvPicPr>
-              <a:picLocks noChangeAspect="1"/>
-            </p:cNvPicPr>
-            <p:nvPr/>
-          </p:nvPicPr>
-          <p:blipFill>
-            <a:blip r:embed="rId9" cstate="print"/>
-            <a:stretch>
-              <a:fillRect/>
-            </a:stretch>
-          </p:blipFill>
-          <p:spPr>
-            <a:xfrm>
-              <a:off x="1482178" y="2605923"/>
-              <a:ext cx="3196332" cy="6466497"/>
-            </a:xfrm>
-            <a:prstGeom prst="rect">
-              <a:avLst/>
-            </a:prstGeom>
-          </p:spPr>
-        </p:pic>
-      </p:grpSp>
-      <p:grpSp>
-        <p:nvGrpSpPr>
-          <p:cNvPr id="1006" name="그룹 1006"/>
-          <p:cNvGrpSpPr/>
-          <p:nvPr/>
-        </p:nvGrpSpPr>
-        <p:grpSpPr>
-          <a:xfrm>
-            <a:off x="5476705" y="4016657"/>
-            <a:ext cx="11232102" cy="4139238"/>
-            <a:chOff x="5476705" y="4016657"/>
-            <a:chExt cx="11232102" cy="4139238"/>
-          </a:xfrm>
-        </p:grpSpPr>
-        <p:pic>
-          <p:nvPicPr>
-            <p:cNvPr id="21" name="Object 20"/>
-            <p:cNvPicPr>
-              <a:picLocks noChangeAspect="1"/>
-            </p:cNvPicPr>
-            <p:nvPr/>
-          </p:nvPicPr>
-          <p:blipFill>
-            <a:blip r:embed="rId10" cstate="print"/>
-            <a:stretch>
-              <a:fillRect/>
-            </a:stretch>
-          </p:blipFill>
-          <p:spPr>
-            <a:xfrm>
-              <a:off x="5476705" y="4016657"/>
-              <a:ext cx="11232102" cy="4139238"/>
-            </a:xfrm>
-            <a:prstGeom prst="rect">
-              <a:avLst/>
-            </a:prstGeom>
-          </p:spPr>
-        </p:pic>
-      </p:grpSp>
-    </p:spTree>
-  </p:cSld>
-  <p:clrMapOvr>
-    <a:masterClrMapping/>
-  </p:clrMapOvr>
-</p:sld>
-</file>
-
-<file path=ppt/slides/slide11.xml><?xml version="1.0" encoding="utf-8"?>
-<p:sld xmlns:a="http://schemas.openxmlformats.org/drawingml/2006/main" xmlns:r="http://schemas.openxmlformats.org/officeDocument/2006/relationships" xmlns:p="http://schemas.openxmlformats.org/presentationml/2006/main">
   <p:cSld name="Slide 11">
     <p:bg>
       <p:bgPr>
@@ -3833,7 +3482,7 @@
 </p:sld>
 </file>
 
-<file path=ppt/slides/slide12.xml><?xml version="1.0" encoding="utf-8"?>
+<file path=ppt/slides/slide11.xml><?xml version="1.0" encoding="utf-8"?>
 <p:sld xmlns:a="http://schemas.openxmlformats.org/drawingml/2006/main" xmlns:r="http://schemas.openxmlformats.org/officeDocument/2006/relationships" xmlns:p="http://schemas.openxmlformats.org/presentationml/2006/main">
   <p:cSld name="Slide 12">
     <p:bg>
@@ -4055,8 +3704,8 @@
         </p:nvGrpSpPr>
         <p:grpSpPr>
           <a:xfrm>
-            <a:off x="1044015" y="2559591"/>
-            <a:ext cx="8390870" cy="2395095"/>
+            <a:off x="1044014" y="2635791"/>
+            <a:ext cx="16329586" cy="5555709"/>
             <a:chOff x="1044015" y="2559591"/>
             <a:chExt cx="8390870" cy="2395095"/>
           </a:xfrm>
@@ -4094,7 +3743,7 @@
 </p:sld>
 </file>
 
-<file path=ppt/slides/slide13.xml><?xml version="1.0" encoding="utf-8"?>
+<file path=ppt/slides/slide12.xml><?xml version="1.0" encoding="utf-8"?>
 <p:sld xmlns:a="http://schemas.openxmlformats.org/drawingml/2006/main" xmlns:r="http://schemas.openxmlformats.org/officeDocument/2006/relationships" xmlns:p="http://schemas.openxmlformats.org/presentationml/2006/main">
   <p:cSld name="Slide 13">
     <p:bg>
@@ -4340,7 +3989,7 @@
 </p:sld>
 </file>
 
-<file path=ppt/slides/slide14.xml><?xml version="1.0" encoding="utf-8"?>
+<file path=ppt/slides/slide13.xml><?xml version="1.0" encoding="utf-8"?>
 <p:sld xmlns:a="http://schemas.openxmlformats.org/drawingml/2006/main" xmlns:r="http://schemas.openxmlformats.org/officeDocument/2006/relationships" xmlns:p="http://schemas.openxmlformats.org/presentationml/2006/main">
   <p:cSld name="Slide 14">
     <p:bg>
@@ -4475,253 +4124,7 @@
 </p:sld>
 </file>
 
-<file path=ppt/slides/slide15.xml><?xml version="1.0" encoding="utf-8"?>
-<p:sld xmlns:a="http://schemas.openxmlformats.org/drawingml/2006/main" xmlns:r="http://schemas.openxmlformats.org/officeDocument/2006/relationships" xmlns:p="http://schemas.openxmlformats.org/presentationml/2006/main">
-  <p:cSld name="Slide 15">
-    <p:bg>
-      <p:bgPr>
-        <a:solidFill>
-          <a:srgbClr val="061F56"/>
-        </a:solidFill>
-        <a:effectLst/>
-      </p:bgPr>
-    </p:bg>
-    <p:spTree>
-      <p:nvGrpSpPr>
-        <p:cNvPr id="1" name=""/>
-        <p:cNvGrpSpPr/>
-        <p:nvPr/>
-      </p:nvGrpSpPr>
-      <p:grpSpPr>
-        <a:xfrm>
-          <a:off x="0" y="0"/>
-          <a:ext cx="0" cy="0"/>
-          <a:chOff x="0" y="0"/>
-          <a:chExt cx="0" cy="0"/>
-        </a:xfrm>
-      </p:grpSpPr>
-      <p:grpSp>
-        <p:nvGrpSpPr>
-          <p:cNvPr id="1001" name="그룹 1001"/>
-          <p:cNvGrpSpPr/>
-          <p:nvPr/>
-        </p:nvGrpSpPr>
-        <p:grpSpPr>
-          <a:xfrm>
-            <a:off x="2458928" y="5087944"/>
-            <a:ext cx="3982628" cy="203565"/>
-            <a:chOff x="2458928" y="5087944"/>
-            <a:chExt cx="3982628" cy="203565"/>
-          </a:xfrm>
-        </p:grpSpPr>
-        <p:pic>
-          <p:nvPicPr>
-            <p:cNvPr id="3" name="Object 2"/>
-            <p:cNvPicPr>
-              <a:picLocks noChangeAspect="1"/>
-            </p:cNvPicPr>
-            <p:nvPr/>
-          </p:nvPicPr>
-          <p:blipFill>
-            <a:blip r:embed="rId2" cstate="print"/>
-            <a:stretch>
-              <a:fillRect/>
-            </a:stretch>
-          </p:blipFill>
-          <p:spPr>
-            <a:xfrm>
-              <a:off x="2458928" y="5087944"/>
-              <a:ext cx="3982628" cy="203565"/>
-            </a:xfrm>
-            <a:prstGeom prst="rect">
-              <a:avLst/>
-            </a:prstGeom>
-          </p:spPr>
-        </p:pic>
-      </p:grpSp>
-      <p:pic>
-        <p:nvPicPr>
-          <p:cNvPr id="5" name="Object 4"/>
-          <p:cNvPicPr>
-            <a:picLocks noChangeAspect="1"/>
-          </p:cNvPicPr>
-          <p:nvPr/>
-        </p:nvPicPr>
-        <p:blipFill>
-          <a:blip r:embed="rId3" cstate="print"/>
-          <a:stretch>
-            <a:fillRect/>
-          </a:stretch>
-        </p:blipFill>
-        <p:spPr>
-          <a:xfrm>
-            <a:off x="14466192" y="7693999"/>
-            <a:ext cx="3292044" cy="767268"/>
-          </a:xfrm>
-          <a:prstGeom prst="rect">
-            <a:avLst/>
-          </a:prstGeom>
-        </p:spPr>
-      </p:pic>
-      <p:pic>
-        <p:nvPicPr>
-          <p:cNvPr id="6" name="Object 5"/>
-          <p:cNvPicPr>
-            <a:picLocks noChangeAspect="1"/>
-          </p:cNvPicPr>
-          <p:nvPr/>
-        </p:nvPicPr>
-        <p:blipFill>
-          <a:blip r:embed="rId4" cstate="print"/>
-          <a:stretch>
-            <a:fillRect/>
-          </a:stretch>
-        </p:blipFill>
-        <p:spPr>
-          <a:xfrm>
-            <a:off x="748165" y="4999784"/>
-            <a:ext cx="9123277" cy="3768395"/>
-          </a:xfrm>
-          <a:prstGeom prst="rect">
-            <a:avLst/>
-          </a:prstGeom>
-        </p:spPr>
-      </p:pic>
-      <p:pic>
-        <p:nvPicPr>
-          <p:cNvPr id="7" name="Object 6"/>
-          <p:cNvPicPr>
-            <a:picLocks noChangeAspect="1"/>
-          </p:cNvPicPr>
-          <p:nvPr/>
-        </p:nvPicPr>
-        <p:blipFill>
-          <a:blip r:embed="rId5" cstate="print"/>
-          <a:stretch>
-            <a:fillRect/>
-          </a:stretch>
-        </p:blipFill>
-        <p:spPr>
-          <a:xfrm>
-            <a:off x="1661921" y="1621264"/>
-            <a:ext cx="7747532" cy="7536788"/>
-          </a:xfrm>
-          <a:prstGeom prst="rect">
-            <a:avLst/>
-          </a:prstGeom>
-        </p:spPr>
-      </p:pic>
-      <p:grpSp>
-        <p:nvGrpSpPr>
-          <p:cNvPr id="1002" name="그룹 1002"/>
-          <p:cNvGrpSpPr/>
-          <p:nvPr/>
-        </p:nvGrpSpPr>
-        <p:grpSpPr>
-          <a:xfrm>
-            <a:off x="14770482" y="302470"/>
-            <a:ext cx="3233362" cy="698540"/>
-            <a:chOff x="14770482" y="302470"/>
-            <a:chExt cx="3233362" cy="698540"/>
-          </a:xfrm>
-        </p:grpSpPr>
-        <p:pic>
-          <p:nvPicPr>
-            <p:cNvPr id="9" name="Object 8"/>
-            <p:cNvPicPr>
-              <a:picLocks noChangeAspect="1"/>
-            </p:cNvPicPr>
-            <p:nvPr/>
-          </p:nvPicPr>
-          <p:blipFill>
-            <a:blip r:embed="rId6" cstate="print"/>
-            <a:stretch>
-              <a:fillRect/>
-            </a:stretch>
-          </p:blipFill>
-          <p:spPr>
-            <a:xfrm>
-              <a:off x="15313069" y="422073"/>
-              <a:ext cx="2780540" cy="396767"/>
-            </a:xfrm>
-            <a:prstGeom prst="rect">
-              <a:avLst/>
-            </a:prstGeom>
-          </p:spPr>
-        </p:pic>
-        <p:grpSp>
-          <p:nvGrpSpPr>
-            <p:cNvPr id="1003" name="그룹 1003"/>
-            <p:cNvGrpSpPr/>
-            <p:nvPr/>
-          </p:nvGrpSpPr>
-          <p:grpSpPr>
-            <a:xfrm>
-              <a:off x="14770482" y="302470"/>
-              <a:ext cx="585981" cy="585981"/>
-              <a:chOff x="14770482" y="302470"/>
-              <a:chExt cx="585981" cy="585981"/>
-            </a:xfrm>
-          </p:grpSpPr>
-          <p:pic>
-            <p:nvPicPr>
-              <p:cNvPr id="11" name="Object 10"/>
-              <p:cNvPicPr>
-                <a:picLocks noChangeAspect="1"/>
-              </p:cNvPicPr>
-              <p:nvPr/>
-            </p:nvPicPr>
-            <p:blipFill>
-              <a:blip r:embed="rId7" cstate="print"/>
-              <a:stretch>
-                <a:fillRect/>
-              </a:stretch>
-            </p:blipFill>
-            <p:spPr>
-              <a:xfrm>
-                <a:off x="14770482" y="302470"/>
-                <a:ext cx="585981" cy="585981"/>
-              </a:xfrm>
-              <a:prstGeom prst="rect">
-                <a:avLst/>
-              </a:prstGeom>
-            </p:spPr>
-          </p:pic>
-        </p:grpSp>
-        <p:pic>
-          <p:nvPicPr>
-            <p:cNvPr id="13" name="Object 12"/>
-            <p:cNvPicPr>
-              <a:picLocks noChangeAspect="1"/>
-            </p:cNvPicPr>
-            <p:nvPr/>
-          </p:nvPicPr>
-          <p:blipFill>
-            <a:blip r:embed="rId8" cstate="print"/>
-            <a:stretch>
-              <a:fillRect/>
-            </a:stretch>
-          </p:blipFill>
-          <p:spPr>
-            <a:xfrm>
-              <a:off x="15343440" y="771320"/>
-              <a:ext cx="2727089" cy="296374"/>
-            </a:xfrm>
-            <a:prstGeom prst="rect">
-              <a:avLst/>
-            </a:prstGeom>
-          </p:spPr>
-        </p:pic>
-      </p:grpSp>
-    </p:spTree>
-  </p:cSld>
-  <p:clrMapOvr>
-    <a:masterClrMapping/>
-  </p:clrMapOvr>
-</p:sld>
-</file>
-
-<file path=ppt/slides/slide16.xml><?xml version="1.0" encoding="utf-8"?>
+<file path=ppt/slides/slide14.xml><?xml version="1.0" encoding="utf-8"?>
 <p:sld xmlns:a="http://schemas.openxmlformats.org/drawingml/2006/main" xmlns:r="http://schemas.openxmlformats.org/officeDocument/2006/relationships" xmlns:p="http://schemas.openxmlformats.org/presentationml/2006/main">
   <p:cSld name="Slide 16">
     <p:bg>
@@ -5618,7 +5021,7 @@
 </p:sld>
 </file>
 
-<file path=ppt/slides/slide17.xml><?xml version="1.0" encoding="utf-8"?>
+<file path=ppt/slides/slide15.xml><?xml version="1.0" encoding="utf-8"?>
 <p:sld xmlns:a="http://schemas.openxmlformats.org/drawingml/2006/main" xmlns:r="http://schemas.openxmlformats.org/officeDocument/2006/relationships" xmlns:p="http://schemas.openxmlformats.org/presentationml/2006/main">
   <p:cSld name="Slide 17">
     <p:bg>
@@ -6077,7 +5480,7 @@
             <p:nvPr/>
           </p:nvPicPr>
           <p:blipFill>
-            <a:blip r:embed="rId5" cstate="print"/>
+            <a:blip r:embed="rId3" cstate="print"/>
             <a:stretch>
               <a:fillRect/>
             </a:stretch>
@@ -6101,7 +5504,7 @@
             <p:nvPr/>
           </p:nvPicPr>
           <p:blipFill>
-            <a:blip r:embed="rId6" cstate="print"/>
+            <a:blip r:embed="rId5" cstate="print"/>
             <a:stretch>
               <a:fillRect/>
             </a:stretch>
@@ -6140,7 +5543,7 @@
             <p:nvPr/>
           </p:nvPicPr>
           <p:blipFill>
-            <a:blip r:embed="rId7" cstate="print"/>
+            <a:blip r:embed="rId3" cstate="print"/>
             <a:stretch>
               <a:fillRect/>
             </a:stretch>
@@ -6164,7 +5567,7 @@
             <p:nvPr/>
           </p:nvPicPr>
           <p:blipFill>
-            <a:blip r:embed="rId8" cstate="print"/>
+            <a:blip r:embed="rId5" cstate="print"/>
             <a:stretch>
               <a:fillRect/>
             </a:stretch>
@@ -6203,7 +5606,7 @@
             <p:nvPr/>
           </p:nvPicPr>
           <p:blipFill>
-            <a:blip r:embed="rId9" cstate="print"/>
+            <a:blip r:embed="rId3" cstate="print"/>
             <a:stretch>
               <a:fillRect/>
             </a:stretch>
@@ -6227,7 +5630,7 @@
             <p:nvPr/>
           </p:nvPicPr>
           <p:blipFill>
-            <a:blip r:embed="rId10" cstate="print"/>
+            <a:blip r:embed="rId4" cstate="print"/>
             <a:stretch>
               <a:fillRect/>
             </a:stretch>
@@ -6266,7 +5669,7 @@
             <p:nvPr/>
           </p:nvPicPr>
           <p:blipFill>
-            <a:blip r:embed="rId11" cstate="print"/>
+            <a:blip r:embed="rId3" cstate="print"/>
             <a:stretch>
               <a:fillRect/>
             </a:stretch>
@@ -6290,7 +5693,7 @@
             <p:nvPr/>
           </p:nvPicPr>
           <p:blipFill>
-            <a:blip r:embed="rId12" cstate="print"/>
+            <a:blip r:embed="rId4" cstate="print"/>
             <a:stretch>
               <a:fillRect/>
             </a:stretch>
@@ -6315,7 +5718,7 @@
           <p:nvPr/>
         </p:nvPicPr>
         <p:blipFill>
-          <a:blip r:embed="rId13" cstate="print"/>
+          <a:blip r:embed="rId6" cstate="print"/>
           <a:stretch>
             <a:fillRect/>
           </a:stretch>
@@ -6339,7 +5742,7 @@
           <p:nvPr/>
         </p:nvPicPr>
         <p:blipFill>
-          <a:blip r:embed="rId14" cstate="print"/>
+          <a:blip r:embed="rId7" cstate="print"/>
           <a:stretch>
             <a:fillRect/>
           </a:stretch>
@@ -6363,7 +5766,7 @@
           <p:nvPr/>
         </p:nvPicPr>
         <p:blipFill>
-          <a:blip r:embed="rId15" cstate="print"/>
+          <a:blip r:embed="rId8" cstate="print"/>
           <a:stretch>
             <a:fillRect/>
           </a:stretch>
@@ -6387,7 +5790,7 @@
           <p:nvPr/>
         </p:nvPicPr>
         <p:blipFill>
-          <a:blip r:embed="rId16" cstate="print"/>
+          <a:blip r:embed="rId9" cstate="print"/>
           <a:stretch>
             <a:fillRect/>
           </a:stretch>
@@ -6411,7 +5814,7 @@
           <p:nvPr/>
         </p:nvPicPr>
         <p:blipFill>
-          <a:blip r:embed="rId17" cstate="print"/>
+          <a:blip r:embed="rId10" cstate="print"/>
           <a:stretch>
             <a:fillRect/>
           </a:stretch>
@@ -6435,7 +5838,7 @@
           <p:nvPr/>
         </p:nvPicPr>
         <p:blipFill>
-          <a:blip r:embed="rId18" cstate="print"/>
+          <a:blip r:embed="rId11" cstate="print"/>
           <a:stretch>
             <a:fillRect/>
           </a:stretch>
@@ -6459,7 +5862,7 @@
           <p:nvPr/>
         </p:nvPicPr>
         <p:blipFill>
-          <a:blip r:embed="rId19" cstate="print"/>
+          <a:blip r:embed="rId12" cstate="print"/>
           <a:stretch>
             <a:fillRect/>
           </a:stretch>
@@ -6483,7 +5886,7 @@
           <p:nvPr/>
         </p:nvPicPr>
         <p:blipFill>
-          <a:blip r:embed="rId20" cstate="print"/>
+          <a:blip r:embed="rId13" cstate="print"/>
           <a:stretch>
             <a:fillRect/>
           </a:stretch>
@@ -6507,7 +5910,7 @@
           <p:nvPr/>
         </p:nvPicPr>
         <p:blipFill>
-          <a:blip r:embed="rId21" cstate="print"/>
+          <a:blip r:embed="rId14" cstate="print"/>
           <a:stretch>
             <a:fillRect/>
           </a:stretch>
@@ -6531,7 +5934,7 @@
           <p:nvPr/>
         </p:nvPicPr>
         <p:blipFill>
-          <a:blip r:embed="rId22" cstate="print"/>
+          <a:blip r:embed="rId15" cstate="print"/>
           <a:stretch>
             <a:fillRect/>
           </a:stretch>
@@ -6555,7 +5958,7 @@
           <p:nvPr/>
         </p:nvPicPr>
         <p:blipFill>
-          <a:blip r:embed="rId23" cstate="print"/>
+          <a:blip r:embed="rId16" cstate="print"/>
           <a:stretch>
             <a:fillRect/>
           </a:stretch>
@@ -6579,7 +5982,7 @@
           <p:nvPr/>
         </p:nvPicPr>
         <p:blipFill>
-          <a:blip r:embed="rId24" cstate="print"/>
+          <a:blip r:embed="rId17" cstate="print"/>
           <a:stretch>
             <a:fillRect/>
           </a:stretch>
@@ -6603,7 +6006,7 @@
           <p:nvPr/>
         </p:nvPicPr>
         <p:blipFill>
-          <a:blip r:embed="rId25" cstate="print"/>
+          <a:blip r:embed="rId18" cstate="print"/>
           <a:stretch>
             <a:fillRect/>
           </a:stretch>
@@ -6627,7 +6030,7 @@
           <p:nvPr/>
         </p:nvPicPr>
         <p:blipFill>
-          <a:blip r:embed="rId26" cstate="print"/>
+          <a:blip r:embed="rId19" cstate="print"/>
           <a:stretch>
             <a:fillRect/>
           </a:stretch>
@@ -6651,7 +6054,7 @@
           <p:nvPr/>
         </p:nvPicPr>
         <p:blipFill>
-          <a:blip r:embed="rId27" cstate="print"/>
+          <a:blip r:embed="rId20" cstate="print"/>
           <a:stretch>
             <a:fillRect/>
           </a:stretch>
@@ -6689,7 +6092,7 @@
             <p:nvPr/>
           </p:nvPicPr>
           <p:blipFill>
-            <a:blip r:embed="rId28" cstate="print"/>
+            <a:blip r:embed="rId21" cstate="print"/>
             <a:stretch>
               <a:fillRect/>
             </a:stretch>
@@ -6727,7 +6130,7 @@
               <p:nvPr/>
             </p:nvPicPr>
             <p:blipFill>
-              <a:blip r:embed="rId29" cstate="print"/>
+              <a:blip r:embed="rId22" cstate="print"/>
               <a:stretch>
                 <a:fillRect/>
               </a:stretch>
@@ -6753,7 +6156,7 @@
           <p:nvPr/>
         </p:nvPicPr>
         <p:blipFill>
-          <a:blip r:embed="rId30" cstate="print"/>
+          <a:blip r:embed="rId23" cstate="print"/>
           <a:stretch>
             <a:fillRect/>
           </a:stretch>
@@ -6777,7 +6180,7 @@
           <p:nvPr/>
         </p:nvPicPr>
         <p:blipFill>
-          <a:blip r:embed="rId31" cstate="print"/>
+          <a:blip r:embed="rId24" cstate="print"/>
           <a:stretch>
             <a:fillRect/>
           </a:stretch>
@@ -6801,7 +6204,7 @@
           <p:nvPr/>
         </p:nvPicPr>
         <p:blipFill>
-          <a:blip r:embed="rId32" cstate="print"/>
+          <a:blip r:embed="rId25" cstate="print"/>
           <a:stretch>
             <a:fillRect/>
           </a:stretch>
@@ -6825,7 +6228,7 @@
           <p:nvPr/>
         </p:nvPicPr>
         <p:blipFill>
-          <a:blip r:embed="rId33" cstate="print"/>
+          <a:blip r:embed="rId26" cstate="print"/>
           <a:stretch>
             <a:fillRect/>
           </a:stretch>
@@ -7934,7 +7337,7 @@
             <p:nvPr/>
           </p:nvPicPr>
           <p:blipFill>
-            <a:blip r:embed="rId10" cstate="print"/>
+            <a:blip r:embed="rId8" cstate="print"/>
             <a:stretch>
               <a:fillRect/>
             </a:stretch>
@@ -7958,7 +7361,7 @@
             <p:nvPr/>
           </p:nvPicPr>
           <p:blipFill>
-            <a:blip r:embed="rId11" cstate="print"/>
+            <a:blip r:embed="rId10" cstate="print"/>
             <a:stretch>
               <a:fillRect/>
             </a:stretch>
@@ -7997,7 +7400,7 @@
             <p:nvPr/>
           </p:nvPicPr>
           <p:blipFill>
-            <a:blip r:embed="rId12" cstate="print"/>
+            <a:blip r:embed="rId8" cstate="print"/>
             <a:stretch>
               <a:fillRect/>
             </a:stretch>
@@ -8021,7 +7424,7 @@
             <p:nvPr/>
           </p:nvPicPr>
           <p:blipFill>
-            <a:blip r:embed="rId13" cstate="print"/>
+            <a:blip r:embed="rId11" cstate="print"/>
             <a:stretch>
               <a:fillRect/>
             </a:stretch>
@@ -8060,7 +7463,7 @@
             <p:nvPr/>
           </p:nvPicPr>
           <p:blipFill>
-            <a:blip r:embed="rId14" cstate="print"/>
+            <a:blip r:embed="rId8" cstate="print"/>
             <a:stretch>
               <a:fillRect/>
             </a:stretch>
@@ -8084,7 +7487,7 @@
             <p:nvPr/>
           </p:nvPicPr>
           <p:blipFill>
-            <a:blip r:embed="rId15" cstate="print"/>
+            <a:blip r:embed="rId12" cstate="print"/>
             <a:stretch>
               <a:fillRect/>
             </a:stretch>
@@ -8123,7 +7526,7 @@
             <p:nvPr/>
           </p:nvPicPr>
           <p:blipFill>
-            <a:blip r:embed="rId16" cstate="print"/>
+            <a:blip r:embed="rId13" cstate="print"/>
             <a:stretch>
               <a:fillRect/>
             </a:stretch>
@@ -8162,7 +7565,7 @@
             <p:nvPr/>
           </p:nvPicPr>
           <p:blipFill>
-            <a:blip r:embed="rId17" cstate="print"/>
+            <a:blip r:embed="rId14" cstate="print"/>
             <a:stretch>
               <a:fillRect/>
             </a:stretch>
@@ -8201,7 +7604,7 @@
             <p:nvPr/>
           </p:nvPicPr>
           <p:blipFill>
-            <a:blip r:embed="rId18" cstate="print"/>
+            <a:blip r:embed="rId13" cstate="print"/>
             <a:stretch>
               <a:fillRect/>
             </a:stretch>
@@ -8240,7 +7643,7 @@
             <p:nvPr/>
           </p:nvPicPr>
           <p:blipFill>
-            <a:blip r:embed="rId19" cstate="print"/>
+            <a:blip r:embed="rId14" cstate="print"/>
             <a:stretch>
               <a:fillRect/>
             </a:stretch>
@@ -8265,7 +7668,7 @@
           <p:nvPr/>
         </p:nvPicPr>
         <p:blipFill>
-          <a:blip r:embed="rId20" cstate="print"/>
+          <a:blip r:embed="rId15" cstate="print"/>
           <a:stretch>
             <a:fillRect/>
           </a:stretch>
@@ -8289,7 +7692,7 @@
           <p:nvPr/>
         </p:nvPicPr>
         <p:blipFill>
-          <a:blip r:embed="rId21" cstate="print"/>
+          <a:blip r:embed="rId16" cstate="print"/>
           <a:stretch>
             <a:fillRect/>
           </a:stretch>
@@ -8313,7 +7716,7 @@
           <p:nvPr/>
         </p:nvPicPr>
         <p:blipFill>
-          <a:blip r:embed="rId22" cstate="print"/>
+          <a:blip r:embed="rId17" cstate="print"/>
           <a:stretch>
             <a:fillRect/>
           </a:stretch>
@@ -8337,7 +7740,7 @@
           <p:nvPr/>
         </p:nvPicPr>
         <p:blipFill>
-          <a:blip r:embed="rId23" cstate="print"/>
+          <a:blip r:embed="rId18" cstate="print"/>
           <a:stretch>
             <a:fillRect/>
           </a:stretch>
@@ -8361,7 +7764,7 @@
           <p:nvPr/>
         </p:nvPicPr>
         <p:blipFill>
-          <a:blip r:embed="rId24" cstate="print"/>
+          <a:blip r:embed="rId19" cstate="print"/>
           <a:stretch>
             <a:fillRect/>
           </a:stretch>
@@ -8385,7 +7788,7 @@
           <p:nvPr/>
         </p:nvPicPr>
         <p:blipFill>
-          <a:blip r:embed="rId25" cstate="print"/>
+          <a:blip r:embed="rId20" cstate="print"/>
           <a:stretch>
             <a:fillRect/>
           </a:stretch>
@@ -8409,7 +7812,7 @@
           <p:nvPr/>
         </p:nvPicPr>
         <p:blipFill>
-          <a:blip r:embed="rId26" cstate="print"/>
+          <a:blip r:embed="rId21" cstate="print"/>
           <a:stretch>
             <a:fillRect/>
           </a:stretch>
@@ -8433,7 +7836,7 @@
           <p:nvPr/>
         </p:nvPicPr>
         <p:blipFill>
-          <a:blip r:embed="rId27" cstate="print"/>
+          <a:blip r:embed="rId22" cstate="print"/>
           <a:stretch>
             <a:fillRect/>
           </a:stretch>
@@ -8458,7 +7861,370 @@
 
 <file path=ppt/slides/slide7.xml><?xml version="1.0" encoding="utf-8"?>
 <p:sld xmlns:a="http://schemas.openxmlformats.org/drawingml/2006/main" xmlns:r="http://schemas.openxmlformats.org/officeDocument/2006/relationships" xmlns:p="http://schemas.openxmlformats.org/presentationml/2006/main">
-  <p:cSld name="Slide 7">
+  <p:cSld name="Slide 8">
+    <p:bg>
+      <p:bgPr>
+        <a:solidFill>
+          <a:srgbClr val="E7EEFF"/>
+        </a:solidFill>
+        <a:effectLst/>
+      </p:bgPr>
+    </p:bg>
+    <p:spTree>
+      <p:nvGrpSpPr>
+        <p:cNvPr id="1" name=""/>
+        <p:cNvGrpSpPr/>
+        <p:nvPr/>
+      </p:nvGrpSpPr>
+      <p:grpSpPr>
+        <a:xfrm>
+          <a:off x="0" y="0"/>
+          <a:ext cx="0" cy="0"/>
+          <a:chOff x="0" y="0"/>
+          <a:chExt cx="0" cy="0"/>
+        </a:xfrm>
+      </p:grpSpPr>
+      <p:grpSp>
+        <p:nvGrpSpPr>
+          <p:cNvPr id="1001" name="그룹 1001"/>
+          <p:cNvGrpSpPr/>
+          <p:nvPr/>
+        </p:nvGrpSpPr>
+        <p:grpSpPr>
+          <a:xfrm>
+            <a:off x="0" y="0"/>
+            <a:ext cx="4342857" cy="10285714"/>
+            <a:chOff x="0" y="0"/>
+            <a:chExt cx="4342857" cy="10285714"/>
+          </a:xfrm>
+        </p:grpSpPr>
+        <p:pic>
+          <p:nvPicPr>
+            <p:cNvPr id="3" name="Object 2"/>
+            <p:cNvPicPr>
+              <a:picLocks noChangeAspect="1"/>
+            </p:cNvPicPr>
+            <p:nvPr/>
+          </p:nvPicPr>
+          <p:blipFill>
+            <a:blip r:embed="rId2" cstate="print"/>
+            <a:stretch>
+              <a:fillRect/>
+            </a:stretch>
+          </p:blipFill>
+          <p:spPr>
+            <a:xfrm>
+              <a:off x="0" y="0"/>
+              <a:ext cx="4342857" cy="10285714"/>
+            </a:xfrm>
+            <a:prstGeom prst="rect">
+              <a:avLst/>
+            </a:prstGeom>
+          </p:spPr>
+        </p:pic>
+      </p:grpSp>
+      <p:grpSp>
+        <p:nvGrpSpPr>
+          <p:cNvPr id="1002" name="그룹 1002"/>
+          <p:cNvGrpSpPr/>
+          <p:nvPr/>
+        </p:nvGrpSpPr>
+        <p:grpSpPr>
+          <a:xfrm>
+            <a:off x="9961107" y="6040728"/>
+            <a:ext cx="6466497" cy="91097"/>
+            <a:chOff x="9961107" y="6040728"/>
+            <a:chExt cx="6466497" cy="91097"/>
+          </a:xfrm>
+        </p:grpSpPr>
+        <p:pic>
+          <p:nvPicPr>
+            <p:cNvPr id="6" name="Object 5"/>
+            <p:cNvPicPr>
+              <a:picLocks noChangeAspect="1"/>
+            </p:cNvPicPr>
+            <p:nvPr/>
+          </p:nvPicPr>
+          <p:blipFill>
+            <a:blip r:embed="rId3" cstate="print"/>
+            <a:stretch>
+              <a:fillRect/>
+            </a:stretch>
+          </p:blipFill>
+          <p:spPr>
+            <a:xfrm rot="-16200000">
+              <a:off x="9961107" y="6040728"/>
+              <a:ext cx="6466497" cy="91097"/>
+            </a:xfrm>
+            <a:prstGeom prst="rect">
+              <a:avLst/>
+            </a:prstGeom>
+          </p:spPr>
+        </p:pic>
+      </p:grpSp>
+      <p:pic>
+        <p:nvPicPr>
+          <p:cNvPr id="8" name="Object 7"/>
+          <p:cNvPicPr>
+            <a:picLocks noChangeAspect="1"/>
+          </p:cNvPicPr>
+          <p:nvPr/>
+        </p:nvPicPr>
+        <p:blipFill>
+          <a:blip r:embed="rId4" cstate="print"/>
+          <a:stretch>
+            <a:fillRect/>
+          </a:stretch>
+        </p:blipFill>
+        <p:spPr>
+          <a:xfrm>
+            <a:off x="8652712" y="2221162"/>
+            <a:ext cx="4290760" cy="769507"/>
+          </a:xfrm>
+          <a:prstGeom prst="rect">
+            <a:avLst/>
+          </a:prstGeom>
+        </p:spPr>
+      </p:pic>
+      <p:pic>
+        <p:nvPicPr>
+          <p:cNvPr id="9" name="Object 8"/>
+          <p:cNvPicPr>
+            <a:picLocks noChangeAspect="1"/>
+          </p:cNvPicPr>
+          <p:nvPr/>
+        </p:nvPicPr>
+        <p:blipFill>
+          <a:blip r:embed="rId5" cstate="print"/>
+          <a:stretch>
+            <a:fillRect/>
+          </a:stretch>
+        </p:blipFill>
+        <p:spPr>
+          <a:xfrm>
+            <a:off x="982858" y="976182"/>
+            <a:ext cx="1888863" cy="620324"/>
+          </a:xfrm>
+          <a:prstGeom prst="rect">
+            <a:avLst/>
+          </a:prstGeom>
+        </p:spPr>
+      </p:pic>
+      <p:pic>
+        <p:nvPicPr>
+          <p:cNvPr id="10" name="Object 9"/>
+          <p:cNvPicPr>
+            <a:picLocks noChangeAspect="1"/>
+          </p:cNvPicPr>
+          <p:nvPr/>
+        </p:nvPicPr>
+        <p:blipFill>
+          <a:blip r:embed="rId6" cstate="print"/>
+          <a:stretch>
+            <a:fillRect/>
+          </a:stretch>
+        </p:blipFill>
+        <p:spPr>
+          <a:xfrm>
+            <a:off x="480013" y="880071"/>
+            <a:ext cx="5534950" cy="3047544"/>
+          </a:xfrm>
+          <a:prstGeom prst="rect">
+            <a:avLst/>
+          </a:prstGeom>
+        </p:spPr>
+      </p:pic>
+      <p:grpSp>
+        <p:nvGrpSpPr>
+          <p:cNvPr id="1003" name="그룹 1003"/>
+          <p:cNvGrpSpPr/>
+          <p:nvPr/>
+        </p:nvGrpSpPr>
+        <p:grpSpPr>
+          <a:xfrm>
+            <a:off x="2155985" y="2853028"/>
+            <a:ext cx="10652114" cy="6617626"/>
+            <a:chOff x="2155985" y="2853028"/>
+            <a:chExt cx="10652114" cy="6617626"/>
+          </a:xfrm>
+        </p:grpSpPr>
+        <p:pic>
+          <p:nvPicPr>
+            <p:cNvPr id="12" name="Object 11"/>
+            <p:cNvPicPr>
+              <a:picLocks noChangeAspect="1"/>
+            </p:cNvPicPr>
+            <p:nvPr/>
+          </p:nvPicPr>
+          <p:blipFill>
+            <a:blip r:embed="rId7" cstate="print"/>
+            <a:stretch>
+              <a:fillRect/>
+            </a:stretch>
+          </p:blipFill>
+          <p:spPr>
+            <a:xfrm>
+              <a:off x="2155985" y="2853028"/>
+              <a:ext cx="10652114" cy="6617626"/>
+            </a:xfrm>
+            <a:prstGeom prst="rect">
+              <a:avLst/>
+            </a:prstGeom>
+          </p:spPr>
+        </p:pic>
+      </p:grpSp>
+      <p:grpSp>
+        <p:nvGrpSpPr>
+          <p:cNvPr id="1004" name="그룹 1004"/>
+          <p:cNvGrpSpPr/>
+          <p:nvPr/>
+        </p:nvGrpSpPr>
+        <p:grpSpPr>
+          <a:xfrm>
+            <a:off x="14265904" y="9226861"/>
+            <a:ext cx="3772706" cy="815061"/>
+            <a:chOff x="14265904" y="9226861"/>
+            <a:chExt cx="3772706" cy="815061"/>
+          </a:xfrm>
+        </p:grpSpPr>
+        <p:pic>
+          <p:nvPicPr>
+            <p:cNvPr id="15" name="Object 14"/>
+            <p:cNvPicPr>
+              <a:picLocks noChangeAspect="1"/>
+            </p:cNvPicPr>
+            <p:nvPr/>
+          </p:nvPicPr>
+          <p:blipFill>
+            <a:blip r:embed="rId8" cstate="print"/>
+            <a:stretch>
+              <a:fillRect/>
+            </a:stretch>
+          </p:blipFill>
+          <p:spPr>
+            <a:xfrm>
+              <a:off x="14898997" y="9366414"/>
+              <a:ext cx="3244350" cy="462950"/>
+            </a:xfrm>
+            <a:prstGeom prst="rect">
+              <a:avLst/>
+            </a:prstGeom>
+          </p:spPr>
+        </p:pic>
+        <p:grpSp>
+          <p:nvGrpSpPr>
+            <p:cNvPr id="1005" name="그룹 1005"/>
+            <p:cNvGrpSpPr/>
+            <p:nvPr/>
+          </p:nvGrpSpPr>
+          <p:grpSpPr>
+            <a:xfrm>
+              <a:off x="14265904" y="9226861"/>
+              <a:ext cx="683726" cy="683726"/>
+              <a:chOff x="14265904" y="9226861"/>
+              <a:chExt cx="683726" cy="683726"/>
+            </a:xfrm>
+          </p:grpSpPr>
+          <p:pic>
+            <p:nvPicPr>
+              <p:cNvPr id="17" name="Object 16"/>
+              <p:cNvPicPr>
+                <a:picLocks noChangeAspect="1"/>
+              </p:cNvPicPr>
+              <p:nvPr/>
+            </p:nvPicPr>
+            <p:blipFill>
+              <a:blip r:embed="rId9" cstate="print"/>
+              <a:stretch>
+                <a:fillRect/>
+              </a:stretch>
+            </p:blipFill>
+            <p:spPr>
+              <a:xfrm>
+                <a:off x="14265904" y="9226861"/>
+                <a:ext cx="683726" cy="683726"/>
+              </a:xfrm>
+              <a:prstGeom prst="rect">
+                <a:avLst/>
+              </a:prstGeom>
+            </p:spPr>
+          </p:pic>
+        </p:grpSp>
+        <p:pic>
+          <p:nvPicPr>
+            <p:cNvPr id="19" name="Object 18"/>
+            <p:cNvPicPr>
+              <a:picLocks noChangeAspect="1"/>
+            </p:cNvPicPr>
+            <p:nvPr/>
+          </p:nvPicPr>
+          <p:blipFill>
+            <a:blip r:embed="rId10" cstate="print"/>
+            <a:stretch>
+              <a:fillRect/>
+            </a:stretch>
+          </p:blipFill>
+          <p:spPr>
+            <a:xfrm>
+              <a:off x="14934434" y="9773918"/>
+              <a:ext cx="3181983" cy="345811"/>
+            </a:xfrm>
+            <a:prstGeom prst="rect">
+              <a:avLst/>
+            </a:prstGeom>
+          </p:spPr>
+        </p:pic>
+      </p:grpSp>
+      <p:grpSp>
+        <p:nvGrpSpPr>
+          <p:cNvPr id="1006" name="그룹 1006"/>
+          <p:cNvGrpSpPr/>
+          <p:nvPr/>
+        </p:nvGrpSpPr>
+        <p:grpSpPr>
+          <a:xfrm>
+            <a:off x="13548784" y="2278875"/>
+            <a:ext cx="3866851" cy="6910233"/>
+            <a:chOff x="13548784" y="2278875"/>
+            <a:chExt cx="3866851" cy="6910233"/>
+          </a:xfrm>
+        </p:grpSpPr>
+        <p:pic>
+          <p:nvPicPr>
+            <p:cNvPr id="22" name="Object 21"/>
+            <p:cNvPicPr>
+              <a:picLocks noChangeAspect="1"/>
+            </p:cNvPicPr>
+            <p:nvPr/>
+          </p:nvPicPr>
+          <p:blipFill>
+            <a:blip r:embed="rId11" cstate="print"/>
+            <a:stretch>
+              <a:fillRect/>
+            </a:stretch>
+          </p:blipFill>
+          <p:spPr>
+            <a:xfrm>
+              <a:off x="13548784" y="2278875"/>
+              <a:ext cx="3866851" cy="6910233"/>
+            </a:xfrm>
+            <a:prstGeom prst="rect">
+              <a:avLst/>
+            </a:prstGeom>
+          </p:spPr>
+        </p:pic>
+      </p:grpSp>
+    </p:spTree>
+  </p:cSld>
+  <p:clrMapOvr>
+    <a:masterClrMapping/>
+  </p:clrMapOvr>
+</p:sld>
+</file>
+
+<file path=ppt/slides/slide8.xml><?xml version="1.0" encoding="utf-8"?>
+<p:sld xmlns:a="http://schemas.openxmlformats.org/drawingml/2006/main" xmlns:r="http://schemas.openxmlformats.org/officeDocument/2006/relationships" xmlns:p="http://schemas.openxmlformats.org/presentationml/2006/main">
+  <p:cSld name="Slide 9">
     <p:bg>
       <p:bgPr>
         <a:solidFill>
@@ -8561,7 +8327,7 @@
         <p:spPr>
           <a:xfrm>
             <a:off x="918051" y="4984337"/>
-            <a:ext cx="7632585" cy="3768394"/>
+            <a:ext cx="8092329" cy="3768394"/>
           </a:xfrm>
           <a:prstGeom prst="rect">
             <a:avLst/>
@@ -8702,9 +8468,9 @@
 </p:sld>
 </file>
 
-<file path=ppt/slides/slide8.xml><?xml version="1.0" encoding="utf-8"?>
+<file path=ppt/slides/slide9.xml><?xml version="1.0" encoding="utf-8"?>
 <p:sld xmlns:a="http://schemas.openxmlformats.org/drawingml/2006/main" xmlns:r="http://schemas.openxmlformats.org/officeDocument/2006/relationships" xmlns:p="http://schemas.openxmlformats.org/presentationml/2006/main">
-  <p:cSld name="Slide 8">
+  <p:cSld name="Slide 10">
     <p:bg>
       <p:bgPr>
         <a:solidFill>
@@ -8821,8 +8587,8 @@
         </p:blipFill>
         <p:spPr>
           <a:xfrm>
-            <a:off x="8652712" y="2221162"/>
-            <a:ext cx="4290760" cy="769507"/>
+            <a:off x="982858" y="987003"/>
+            <a:ext cx="1005992" cy="614134"/>
           </a:xfrm>
           <a:prstGeom prst="rect">
             <a:avLst/>
@@ -8845,32 +8611,8 @@
         </p:blipFill>
         <p:spPr>
           <a:xfrm>
-            <a:off x="982858" y="976182"/>
-            <a:ext cx="1888863" cy="620324"/>
-          </a:xfrm>
-          <a:prstGeom prst="rect">
-            <a:avLst/>
-          </a:prstGeom>
-        </p:spPr>
-      </p:pic>
-      <p:pic>
-        <p:nvPicPr>
-          <p:cNvPr id="10" name="Object 9"/>
-          <p:cNvPicPr>
-            <a:picLocks noChangeAspect="1"/>
-          </p:cNvPicPr>
-          <p:nvPr/>
-        </p:nvPicPr>
-        <p:blipFill>
-          <a:blip r:embed="rId6" cstate="print"/>
-          <a:stretch>
-            <a:fillRect/>
-          </a:stretch>
-        </p:blipFill>
-        <p:spPr>
-          <a:xfrm>
             <a:off x="480013" y="880071"/>
-            <a:ext cx="5534950" cy="3047544"/>
+            <a:ext cx="6278551" cy="3047544"/>
           </a:xfrm>
           <a:prstGeom prst="rect">
             <a:avLst/>
@@ -8885,45 +8627,6 @@
         </p:nvGrpSpPr>
         <p:grpSpPr>
           <a:xfrm>
-            <a:off x="2155985" y="2853028"/>
-            <a:ext cx="10652114" cy="6617626"/>
-            <a:chOff x="2155985" y="2853028"/>
-            <a:chExt cx="10652114" cy="6617626"/>
-          </a:xfrm>
-        </p:grpSpPr>
-        <p:pic>
-          <p:nvPicPr>
-            <p:cNvPr id="12" name="Object 11"/>
-            <p:cNvPicPr>
-              <a:picLocks noChangeAspect="1"/>
-            </p:cNvPicPr>
-            <p:nvPr/>
-          </p:nvPicPr>
-          <p:blipFill>
-            <a:blip r:embed="rId7" cstate="print"/>
-            <a:stretch>
-              <a:fillRect/>
-            </a:stretch>
-          </p:blipFill>
-          <p:spPr>
-            <a:xfrm>
-              <a:off x="2155985" y="2853028"/>
-              <a:ext cx="10652114" cy="6617626"/>
-            </a:xfrm>
-            <a:prstGeom prst="rect">
-              <a:avLst/>
-            </a:prstGeom>
-          </p:spPr>
-        </p:pic>
-      </p:grpSp>
-      <p:grpSp>
-        <p:nvGrpSpPr>
-          <p:cNvPr id="1004" name="그룹 1004"/>
-          <p:cNvGrpSpPr/>
-          <p:nvPr/>
-        </p:nvGrpSpPr>
-        <p:grpSpPr>
-          <a:xfrm>
             <a:off x="14265904" y="9226861"/>
             <a:ext cx="3772706" cy="815061"/>
             <a:chOff x="14265904" y="9226861"/>
@@ -8932,14 +8635,14 @@
         </p:grpSpPr>
         <p:pic>
           <p:nvPicPr>
-            <p:cNvPr id="15" name="Object 14"/>
+            <p:cNvPr id="11" name="Object 10"/>
             <p:cNvPicPr>
               <a:picLocks noChangeAspect="1"/>
             </p:cNvPicPr>
             <p:nvPr/>
           </p:nvPicPr>
           <p:blipFill>
-            <a:blip r:embed="rId8" cstate="print"/>
+            <a:blip r:embed="rId6" cstate="print"/>
             <a:stretch>
               <a:fillRect/>
             </a:stretch>
@@ -8956,7 +8659,7 @@
         </p:pic>
         <p:grpSp>
           <p:nvGrpSpPr>
-            <p:cNvPr id="1005" name="그룹 1005"/>
+            <p:cNvPr id="1004" name="그룹 1004"/>
             <p:cNvGrpSpPr/>
             <p:nvPr/>
           </p:nvGrpSpPr>
@@ -8970,14 +8673,14 @@
           </p:grpSpPr>
           <p:pic>
             <p:nvPicPr>
-              <p:cNvPr id="17" name="Object 16"/>
+              <p:cNvPr id="13" name="Object 12"/>
               <p:cNvPicPr>
                 <a:picLocks noChangeAspect="1"/>
               </p:cNvPicPr>
               <p:nvPr/>
             </p:nvPicPr>
             <p:blipFill>
-              <a:blip r:embed="rId9" cstate="print"/>
+              <a:blip r:embed="rId7" cstate="print"/>
               <a:stretch>
                 <a:fillRect/>
               </a:stretch>
@@ -8995,14 +8698,14 @@
         </p:grpSp>
         <p:pic>
           <p:nvPicPr>
-            <p:cNvPr id="19" name="Object 18"/>
+            <p:cNvPr id="15" name="Object 14"/>
             <p:cNvPicPr>
               <a:picLocks noChangeAspect="1"/>
             </p:cNvPicPr>
             <p:nvPr/>
           </p:nvPicPr>
           <p:blipFill>
-            <a:blip r:embed="rId10" cstate="print"/>
+            <a:blip r:embed="rId8" cstate="print"/>
             <a:stretch>
               <a:fillRect/>
             </a:stretch>
@@ -9011,6 +8714,45 @@
             <a:xfrm>
               <a:off x="14934434" y="9773918"/>
               <a:ext cx="3181983" cy="345811"/>
+            </a:xfrm>
+            <a:prstGeom prst="rect">
+              <a:avLst/>
+            </a:prstGeom>
+          </p:spPr>
+        </p:pic>
+      </p:grpSp>
+      <p:grpSp>
+        <p:nvGrpSpPr>
+          <p:cNvPr id="1005" name="그룹 1005"/>
+          <p:cNvGrpSpPr/>
+          <p:nvPr/>
+        </p:nvGrpSpPr>
+        <p:grpSpPr>
+          <a:xfrm>
+            <a:off x="1482178" y="2605923"/>
+            <a:ext cx="3196332" cy="6466497"/>
+            <a:chOff x="1482178" y="2605923"/>
+            <a:chExt cx="3196332" cy="6466497"/>
+          </a:xfrm>
+        </p:grpSpPr>
+        <p:pic>
+          <p:nvPicPr>
+            <p:cNvPr id="18" name="Object 17"/>
+            <p:cNvPicPr>
+              <a:picLocks noChangeAspect="1"/>
+            </p:cNvPicPr>
+            <p:nvPr/>
+          </p:nvPicPr>
+          <p:blipFill>
+            <a:blip r:embed="rId9" cstate="print"/>
+            <a:stretch>
+              <a:fillRect/>
+            </a:stretch>
+          </p:blipFill>
+          <p:spPr>
+            <a:xfrm>
+              <a:off x="1482178" y="2605923"/>
+              <a:ext cx="3196332" cy="6466497"/>
             </a:xfrm>
             <a:prstGeom prst="rect">
               <a:avLst/>
@@ -9026,276 +8768,30 @@
         </p:nvGrpSpPr>
         <p:grpSpPr>
           <a:xfrm>
-            <a:off x="13548784" y="2278875"/>
-            <a:ext cx="3866851" cy="6910233"/>
-            <a:chOff x="13548784" y="2278875"/>
-            <a:chExt cx="3866851" cy="6910233"/>
+            <a:off x="5476705" y="4016657"/>
+            <a:ext cx="11232102" cy="4139238"/>
+            <a:chOff x="5476705" y="4016657"/>
+            <a:chExt cx="11232102" cy="4139238"/>
           </a:xfrm>
         </p:grpSpPr>
         <p:pic>
           <p:nvPicPr>
-            <p:cNvPr id="22" name="Object 21"/>
+            <p:cNvPr id="21" name="Object 20"/>
             <p:cNvPicPr>
               <a:picLocks noChangeAspect="1"/>
             </p:cNvPicPr>
             <p:nvPr/>
           </p:nvPicPr>
           <p:blipFill>
-            <a:blip r:embed="rId11" cstate="print"/>
+            <a:blip r:embed="rId10" cstate="print"/>
             <a:stretch>
               <a:fillRect/>
             </a:stretch>
           </p:blipFill>
           <p:spPr>
             <a:xfrm>
-              <a:off x="13548784" y="2278875"/>
-              <a:ext cx="3866851" cy="6910233"/>
-            </a:xfrm>
-            <a:prstGeom prst="rect">
-              <a:avLst/>
-            </a:prstGeom>
-          </p:spPr>
-        </p:pic>
-      </p:grpSp>
-    </p:spTree>
-  </p:cSld>
-  <p:clrMapOvr>
-    <a:masterClrMapping/>
-  </p:clrMapOvr>
-</p:sld>
-</file>
-
-<file path=ppt/slides/slide9.xml><?xml version="1.0" encoding="utf-8"?>
-<p:sld xmlns:a="http://schemas.openxmlformats.org/drawingml/2006/main" xmlns:r="http://schemas.openxmlformats.org/officeDocument/2006/relationships" xmlns:p="http://schemas.openxmlformats.org/presentationml/2006/main">
-  <p:cSld name="Slide 9">
-    <p:bg>
-      <p:bgPr>
-        <a:solidFill>
-          <a:srgbClr val="061F56"/>
-        </a:solidFill>
-        <a:effectLst/>
-      </p:bgPr>
-    </p:bg>
-    <p:spTree>
-      <p:nvGrpSpPr>
-        <p:cNvPr id="1" name=""/>
-        <p:cNvGrpSpPr/>
-        <p:nvPr/>
-      </p:nvGrpSpPr>
-      <p:grpSpPr>
-        <a:xfrm>
-          <a:off x="0" y="0"/>
-          <a:ext cx="0" cy="0"/>
-          <a:chOff x="0" y="0"/>
-          <a:chExt cx="0" cy="0"/>
-        </a:xfrm>
-      </p:grpSpPr>
-      <p:grpSp>
-        <p:nvGrpSpPr>
-          <p:cNvPr id="1001" name="그룹 1001"/>
-          <p:cNvGrpSpPr/>
-          <p:nvPr/>
-        </p:nvGrpSpPr>
-        <p:grpSpPr>
-          <a:xfrm>
-            <a:off x="2458928" y="5087944"/>
-            <a:ext cx="3982628" cy="203565"/>
-            <a:chOff x="2458928" y="5087944"/>
-            <a:chExt cx="3982628" cy="203565"/>
-          </a:xfrm>
-        </p:grpSpPr>
-        <p:pic>
-          <p:nvPicPr>
-            <p:cNvPr id="3" name="Object 2"/>
-            <p:cNvPicPr>
-              <a:picLocks noChangeAspect="1"/>
-            </p:cNvPicPr>
-            <p:nvPr/>
-          </p:nvPicPr>
-          <p:blipFill>
-            <a:blip r:embed="rId2" cstate="print"/>
-            <a:stretch>
-              <a:fillRect/>
-            </a:stretch>
-          </p:blipFill>
-          <p:spPr>
-            <a:xfrm>
-              <a:off x="2458928" y="5087944"/>
-              <a:ext cx="3982628" cy="203565"/>
-            </a:xfrm>
-            <a:prstGeom prst="rect">
-              <a:avLst/>
-            </a:prstGeom>
-          </p:spPr>
-        </p:pic>
-      </p:grpSp>
-      <p:pic>
-        <p:nvPicPr>
-          <p:cNvPr id="5" name="Object 4"/>
-          <p:cNvPicPr>
-            <a:picLocks noChangeAspect="1"/>
-          </p:cNvPicPr>
-          <p:nvPr/>
-        </p:nvPicPr>
-        <p:blipFill>
-          <a:blip r:embed="rId3" cstate="print"/>
-          <a:stretch>
-            <a:fillRect/>
-          </a:stretch>
-        </p:blipFill>
-        <p:spPr>
-          <a:xfrm>
-            <a:off x="13649144" y="7686287"/>
-            <a:ext cx="4109143" cy="769598"/>
-          </a:xfrm>
-          <a:prstGeom prst="rect">
-            <a:avLst/>
-          </a:prstGeom>
-        </p:spPr>
-      </p:pic>
-      <p:pic>
-        <p:nvPicPr>
-          <p:cNvPr id="6" name="Object 5"/>
-          <p:cNvPicPr>
-            <a:picLocks noChangeAspect="1"/>
-          </p:cNvPicPr>
-          <p:nvPr/>
-        </p:nvPicPr>
-        <p:blipFill>
-          <a:blip r:embed="rId4" cstate="print"/>
-          <a:stretch>
-            <a:fillRect/>
-          </a:stretch>
-        </p:blipFill>
-        <p:spPr>
-          <a:xfrm>
-            <a:off x="918051" y="4984337"/>
-            <a:ext cx="8092329" cy="3768394"/>
-          </a:xfrm>
-          <a:prstGeom prst="rect">
-            <a:avLst/>
-          </a:prstGeom>
-        </p:spPr>
-      </p:pic>
-      <p:pic>
-        <p:nvPicPr>
-          <p:cNvPr id="7" name="Object 6"/>
-          <p:cNvPicPr>
-            <a:picLocks noChangeAspect="1"/>
-          </p:cNvPicPr>
-          <p:nvPr/>
-        </p:nvPicPr>
-        <p:blipFill>
-          <a:blip r:embed="rId5" cstate="print"/>
-          <a:stretch>
-            <a:fillRect/>
-          </a:stretch>
-        </p:blipFill>
-        <p:spPr>
-          <a:xfrm>
-            <a:off x="1661921" y="1621264"/>
-            <a:ext cx="7747532" cy="7536788"/>
-          </a:xfrm>
-          <a:prstGeom prst="rect">
-            <a:avLst/>
-          </a:prstGeom>
-        </p:spPr>
-      </p:pic>
-      <p:grpSp>
-        <p:nvGrpSpPr>
-          <p:cNvPr id="1002" name="그룹 1002"/>
-          <p:cNvGrpSpPr/>
-          <p:nvPr/>
-        </p:nvGrpSpPr>
-        <p:grpSpPr>
-          <a:xfrm>
-            <a:off x="14770482" y="302470"/>
-            <a:ext cx="3233362" cy="698540"/>
-            <a:chOff x="14770482" y="302470"/>
-            <a:chExt cx="3233362" cy="698540"/>
-          </a:xfrm>
-        </p:grpSpPr>
-        <p:pic>
-          <p:nvPicPr>
-            <p:cNvPr id="9" name="Object 8"/>
-            <p:cNvPicPr>
-              <a:picLocks noChangeAspect="1"/>
-            </p:cNvPicPr>
-            <p:nvPr/>
-          </p:nvPicPr>
-          <p:blipFill>
-            <a:blip r:embed="rId6" cstate="print"/>
-            <a:stretch>
-              <a:fillRect/>
-            </a:stretch>
-          </p:blipFill>
-          <p:spPr>
-            <a:xfrm>
-              <a:off x="15313069" y="422073"/>
-              <a:ext cx="2780540" cy="396767"/>
-            </a:xfrm>
-            <a:prstGeom prst="rect">
-              <a:avLst/>
-            </a:prstGeom>
-          </p:spPr>
-        </p:pic>
-        <p:grpSp>
-          <p:nvGrpSpPr>
-            <p:cNvPr id="1003" name="그룹 1003"/>
-            <p:cNvGrpSpPr/>
-            <p:nvPr/>
-          </p:nvGrpSpPr>
-          <p:grpSpPr>
-            <a:xfrm>
-              <a:off x="14770482" y="302470"/>
-              <a:ext cx="585981" cy="585981"/>
-              <a:chOff x="14770482" y="302470"/>
-              <a:chExt cx="585981" cy="585981"/>
-            </a:xfrm>
-          </p:grpSpPr>
-          <p:pic>
-            <p:nvPicPr>
-              <p:cNvPr id="11" name="Object 10"/>
-              <p:cNvPicPr>
-                <a:picLocks noChangeAspect="1"/>
-              </p:cNvPicPr>
-              <p:nvPr/>
-            </p:nvPicPr>
-            <p:blipFill>
-              <a:blip r:embed="rId7" cstate="print"/>
-              <a:stretch>
-                <a:fillRect/>
-              </a:stretch>
-            </p:blipFill>
-            <p:spPr>
-              <a:xfrm>
-                <a:off x="14770482" y="302470"/>
-                <a:ext cx="585981" cy="585981"/>
-              </a:xfrm>
-              <a:prstGeom prst="rect">
-                <a:avLst/>
-              </a:prstGeom>
-            </p:spPr>
-          </p:pic>
-        </p:grpSp>
-        <p:pic>
-          <p:nvPicPr>
-            <p:cNvPr id="13" name="Object 12"/>
-            <p:cNvPicPr>
-              <a:picLocks noChangeAspect="1"/>
-            </p:cNvPicPr>
-            <p:nvPr/>
-          </p:nvPicPr>
-          <p:blipFill>
-            <a:blip r:embed="rId8" cstate="print"/>
-            <a:stretch>
-              <a:fillRect/>
-            </a:stretch>
-          </p:blipFill>
-          <p:spPr>
-            <a:xfrm>
-              <a:off x="15343440" y="771320"/>
-              <a:ext cx="2727089" cy="296374"/>
+              <a:off x="5476705" y="4016657"/>
+              <a:ext cx="11232102" cy="4139238"/>
             </a:xfrm>
             <a:prstGeom prst="rect">
               <a:avLst/>
